--- a/งานนำเสนอ1.pptx
+++ b/งานนำเสนอ1.pptx
@@ -104,6 +104,11 @@
       </a:defRPr>
     </a:lvl9pPr>
   </p:defaultTextStyle>
+  <p:extLst>
+    <p:ext uri="{EFAFB233-063F-42B5-8137-9DF3F51BA10A}">
+      <p15:sldGuideLst xmlns:p15="http://schemas.microsoft.com/office/powerpoint/2012/main"/>
+    </p:ext>
+  </p:extLst>
 </p:presentation>
 </file>
 
@@ -3321,78 +3326,508 @@
           <a:chExt cx="0" cy="0"/>
         </a:xfrm>
       </p:grpSpPr>
-      <p:cxnSp>
-        <p:nvCxnSpPr>
-          <p:cNvPr id="6" name="ตัวเชื่อมต่อตรง 5">
-            <a:extLst>
-              <a:ext uri="{FF2B5EF4-FFF2-40B4-BE49-F238E27FC236}">
-                <a16:creationId xmlns:a16="http://schemas.microsoft.com/office/drawing/2014/main" id="{6DF96FE0-DE57-3890-296B-D04F1FAF099E}"/>
-              </a:ext>
-            </a:extLst>
-          </p:cNvPr>
-          <p:cNvCxnSpPr/>
+      <p:pic>
+        <p:nvPicPr>
+          <p:cNvPr id="26" name="รูปภาพ 25" descr="รูปภาพประกอบด้วย กลางแจ้ง, ท้องฟ้า, เมฆ, ธรรมชาติ&#10;&#10;เนื้อหาที่สร้างโดย AI อาจไม่ถูกต้อง">
+            <a:extLst>
+              <a:ext uri="{FF2B5EF4-FFF2-40B4-BE49-F238E27FC236}">
+                <a16:creationId xmlns:a16="http://schemas.microsoft.com/office/drawing/2014/main" id="{5BB41F54-793D-A84F-8815-E12F41C2537E}"/>
+              </a:ext>
+            </a:extLst>
+          </p:cNvPr>
+          <p:cNvPicPr>
+            <a:picLocks noChangeAspect="1"/>
+          </p:cNvPicPr>
           <p:nvPr/>
-        </p:nvCxnSpPr>
+        </p:nvPicPr>
+        <p:blipFill>
+          <a:blip r:embed="rId2">
+            <a:extLst>
+              <a:ext uri="{28A0092B-C50C-407E-A947-70E740481C1C}">
+                <a14:useLocalDpi xmlns:a14="http://schemas.microsoft.com/office/drawing/2010/main" val="0"/>
+              </a:ext>
+            </a:extLst>
+          </a:blip>
+          <a:stretch>
+            <a:fillRect/>
+          </a:stretch>
+        </p:blipFill>
         <p:spPr>
           <a:xfrm>
-            <a:off x="0" y="526211"/>
-            <a:ext cx="12192000" cy="0"/>
+            <a:off x="-30026" y="96052"/>
+            <a:ext cx="12192000" cy="6858000"/>
           </a:xfrm>
-          <a:prstGeom prst="line">
+          <a:prstGeom prst="rect">
             <a:avLst/>
           </a:prstGeom>
         </p:spPr>
+      </p:pic>
+      <p:sp>
+        <p:nvSpPr>
+          <p:cNvPr id="10" name="กล่องข้อความ 9">
+            <a:extLst>
+              <a:ext uri="{FF2B5EF4-FFF2-40B4-BE49-F238E27FC236}">
+                <a16:creationId xmlns:a16="http://schemas.microsoft.com/office/drawing/2014/main" id="{95A58654-6C7A-7242-8312-AFFE0C666021}"/>
+              </a:ext>
+            </a:extLst>
+          </p:cNvPr>
+          <p:cNvSpPr txBox="1"/>
+          <p:nvPr/>
+        </p:nvSpPr>
+        <p:spPr>
+          <a:xfrm>
+            <a:off x="132270" y="150126"/>
+            <a:ext cx="3261819" cy="1384995"/>
+          </a:xfrm>
+          <a:prstGeom prst="rect">
+            <a:avLst/>
+          </a:prstGeom>
+          <a:noFill/>
+        </p:spPr>
+        <p:txBody>
+          <a:bodyPr wrap="square" rtlCol="0">
+            <a:spAutoFit/>
+          </a:bodyPr>
+          <a:lstStyle/>
+          <a:p>
+            <a:pPr algn="l"/>
+            <a:r>
+              <a:rPr lang="en-US" b="1" i="0" dirty="0">
+                <a:solidFill>
+                  <a:srgbClr val="FF7200"/>
+                </a:solidFill>
+                <a:effectLst/>
+                <a:latin typeface="Comic Sans MS" panose="030F0702030302020204" pitchFamily="66" charset="0"/>
+              </a:rPr>
+              <a:t>WEBRAIWA T-T</a:t>
+            </a:r>
+          </a:p>
+          <a:p>
+            <a:br>
+              <a:rPr lang="en-US" b="0" i="0" dirty="0">
+                <a:solidFill>
+                  <a:srgbClr val="000000"/>
+                </a:solidFill>
+                <a:effectLst/>
+                <a:latin typeface="Arial" panose="020B0604020202020204" pitchFamily="34" charset="0"/>
+              </a:rPr>
+            </a:br>
+            <a:endParaRPr lang="th-TH" dirty="0">
+              <a:solidFill>
+                <a:srgbClr val="FFE8DB"/>
+              </a:solidFill>
+            </a:endParaRPr>
+          </a:p>
+        </p:txBody>
+      </p:sp>
+      <p:sp>
+        <p:nvSpPr>
+          <p:cNvPr id="11" name="กล่องข้อความ 10">
+            <a:extLst>
+              <a:ext uri="{FF2B5EF4-FFF2-40B4-BE49-F238E27FC236}">
+                <a16:creationId xmlns:a16="http://schemas.microsoft.com/office/drawing/2014/main" id="{89DC457F-94C8-603C-0F6D-58FFB06A4BFE}"/>
+              </a:ext>
+            </a:extLst>
+          </p:cNvPr>
+          <p:cNvSpPr txBox="1"/>
+          <p:nvPr/>
+        </p:nvSpPr>
+        <p:spPr>
+          <a:xfrm>
+            <a:off x="3748583" y="150126"/>
+            <a:ext cx="1173709" cy="523220"/>
+          </a:xfrm>
+          <a:prstGeom prst="rect">
+            <a:avLst/>
+          </a:prstGeom>
+          <a:noFill/>
+        </p:spPr>
+        <p:txBody>
+          <a:bodyPr wrap="square" rtlCol="0">
+            <a:spAutoFit/>
+          </a:bodyPr>
+          <a:lstStyle/>
+          <a:p>
+            <a:r>
+              <a:rPr lang="en-US" dirty="0">
+                <a:solidFill>
+                  <a:schemeClr val="bg1"/>
+                </a:solidFill>
+              </a:rPr>
+              <a:t>HOME</a:t>
+            </a:r>
+            <a:endParaRPr lang="th-TH" dirty="0">
+              <a:solidFill>
+                <a:schemeClr val="bg1"/>
+              </a:solidFill>
+            </a:endParaRPr>
+          </a:p>
+        </p:txBody>
+      </p:sp>
+      <p:sp>
+        <p:nvSpPr>
+          <p:cNvPr id="13" name="กล่องข้อความ 12">
+            <a:extLst>
+              <a:ext uri="{FF2B5EF4-FFF2-40B4-BE49-F238E27FC236}">
+                <a16:creationId xmlns:a16="http://schemas.microsoft.com/office/drawing/2014/main" id="{98C7CEF7-A034-FB5B-C4AF-90B4A2CE86D7}"/>
+              </a:ext>
+            </a:extLst>
+          </p:cNvPr>
+          <p:cNvSpPr txBox="1"/>
+          <p:nvPr/>
+        </p:nvSpPr>
+        <p:spPr>
+          <a:xfrm>
+            <a:off x="4922291" y="150126"/>
+            <a:ext cx="1321265" cy="523220"/>
+          </a:xfrm>
+          <a:prstGeom prst="rect">
+            <a:avLst/>
+          </a:prstGeom>
+          <a:noFill/>
+        </p:spPr>
+        <p:txBody>
+          <a:bodyPr wrap="square" rtlCol="0">
+            <a:spAutoFit/>
+          </a:bodyPr>
+          <a:lstStyle/>
+          <a:p>
+            <a:r>
+              <a:rPr lang="en-US" dirty="0">
+                <a:solidFill>
+                  <a:schemeClr val="bg1"/>
+                </a:solidFill>
+              </a:rPr>
+              <a:t>ABOUT</a:t>
+            </a:r>
+            <a:endParaRPr lang="th-TH" dirty="0">
+              <a:solidFill>
+                <a:schemeClr val="bg1"/>
+              </a:solidFill>
+            </a:endParaRPr>
+          </a:p>
+        </p:txBody>
+      </p:sp>
+      <p:sp>
+        <p:nvSpPr>
+          <p:cNvPr id="17" name="กล่องข้อความ 16">
+            <a:extLst>
+              <a:ext uri="{FF2B5EF4-FFF2-40B4-BE49-F238E27FC236}">
+                <a16:creationId xmlns:a16="http://schemas.microsoft.com/office/drawing/2014/main" id="{B1B0A6F9-46E6-1F83-B58B-0FBD638911BE}"/>
+              </a:ext>
+            </a:extLst>
+          </p:cNvPr>
+          <p:cNvSpPr txBox="1"/>
+          <p:nvPr/>
+        </p:nvSpPr>
+        <p:spPr>
+          <a:xfrm>
+            <a:off x="6455145" y="106789"/>
+            <a:ext cx="1948070" cy="523220"/>
+          </a:xfrm>
+          <a:prstGeom prst="rect">
+            <a:avLst/>
+          </a:prstGeom>
+          <a:noFill/>
+        </p:spPr>
+        <p:txBody>
+          <a:bodyPr wrap="square" rtlCol="0">
+            <a:spAutoFit/>
+          </a:bodyPr>
+          <a:lstStyle/>
+          <a:p>
+            <a:pPr algn="l"/>
+            <a:r>
+              <a:rPr lang="en-US" dirty="0">
+                <a:solidFill>
+                  <a:schemeClr val="bg1"/>
+                </a:solidFill>
+              </a:rPr>
+              <a:t>PRODUCT</a:t>
+            </a:r>
+            <a:endParaRPr lang="th-TH" dirty="0">
+              <a:solidFill>
+                <a:schemeClr val="bg1"/>
+              </a:solidFill>
+            </a:endParaRPr>
+          </a:p>
+        </p:txBody>
+      </p:sp>
+      <p:sp>
+        <p:nvSpPr>
+          <p:cNvPr id="21" name="กล่องข้อความ 20">
+            <a:extLst>
+              <a:ext uri="{FF2B5EF4-FFF2-40B4-BE49-F238E27FC236}">
+                <a16:creationId xmlns:a16="http://schemas.microsoft.com/office/drawing/2014/main" id="{08EF8F14-CB0B-306A-C0DF-46F5769C22B0}"/>
+              </a:ext>
+            </a:extLst>
+          </p:cNvPr>
+          <p:cNvSpPr txBox="1"/>
+          <p:nvPr/>
+        </p:nvSpPr>
+        <p:spPr>
+          <a:xfrm>
+            <a:off x="4010966" y="2504265"/>
+            <a:ext cx="4170067" cy="923330"/>
+          </a:xfrm>
+          <a:prstGeom prst="rect">
+            <a:avLst/>
+          </a:prstGeom>
+          <a:noFill/>
+        </p:spPr>
+        <p:txBody>
+          <a:bodyPr wrap="square" rtlCol="0">
+            <a:spAutoFit/>
+          </a:bodyPr>
+          <a:lstStyle/>
+          <a:p>
+            <a:r>
+              <a:rPr lang="en-US" sz="5400" dirty="0">
+                <a:solidFill>
+                  <a:schemeClr val="bg1"/>
+                </a:solidFill>
+              </a:rPr>
+              <a:t>GOODWORK</a:t>
+            </a:r>
+            <a:endParaRPr lang="th-TH" sz="5400" dirty="0">
+              <a:solidFill>
+                <a:schemeClr val="bg1"/>
+              </a:solidFill>
+            </a:endParaRPr>
+          </a:p>
+        </p:txBody>
+      </p:sp>
+      <p:sp>
+        <p:nvSpPr>
+          <p:cNvPr id="22" name="กล่องข้อความ 21">
+            <a:extLst>
+              <a:ext uri="{FF2B5EF4-FFF2-40B4-BE49-F238E27FC236}">
+                <a16:creationId xmlns:a16="http://schemas.microsoft.com/office/drawing/2014/main" id="{FB397263-3E75-B789-F9D3-06A6C2FD4C5A}"/>
+              </a:ext>
+            </a:extLst>
+          </p:cNvPr>
+          <p:cNvSpPr txBox="1"/>
+          <p:nvPr/>
+        </p:nvSpPr>
+        <p:spPr>
+          <a:xfrm>
+            <a:off x="4219837" y="3427595"/>
+            <a:ext cx="1305606" cy="523220"/>
+          </a:xfrm>
+          <a:prstGeom prst="rect">
+            <a:avLst/>
+          </a:prstGeom>
+          <a:noFill/>
+        </p:spPr>
+        <p:txBody>
+          <a:bodyPr wrap="square" rtlCol="0">
+            <a:spAutoFit/>
+          </a:bodyPr>
+          <a:lstStyle/>
+          <a:p>
+            <a:pPr algn="ctr"/>
+            <a:endParaRPr lang="th-TH" dirty="0">
+              <a:solidFill>
+                <a:schemeClr val="bg1"/>
+              </a:solidFill>
+            </a:endParaRPr>
+          </a:p>
+        </p:txBody>
+      </p:sp>
+      <p:sp>
+        <p:nvSpPr>
+          <p:cNvPr id="23" name="กล่องข้อความ 22">
+            <a:extLst>
+              <a:ext uri="{FF2B5EF4-FFF2-40B4-BE49-F238E27FC236}">
+                <a16:creationId xmlns:a16="http://schemas.microsoft.com/office/drawing/2014/main" id="{D5EACAB4-9E09-DCA9-A147-A2A78E238F9A}"/>
+              </a:ext>
+            </a:extLst>
+          </p:cNvPr>
+          <p:cNvSpPr txBox="1"/>
+          <p:nvPr/>
+        </p:nvSpPr>
+        <p:spPr>
+          <a:xfrm>
+            <a:off x="8614804" y="96052"/>
+            <a:ext cx="1948070" cy="523220"/>
+          </a:xfrm>
+          <a:prstGeom prst="rect">
+            <a:avLst/>
+          </a:prstGeom>
+          <a:noFill/>
+        </p:spPr>
+        <p:txBody>
+          <a:bodyPr wrap="square" rtlCol="0">
+            <a:spAutoFit/>
+          </a:bodyPr>
+          <a:lstStyle/>
+          <a:p>
+            <a:pPr algn="l"/>
+            <a:r>
+              <a:rPr lang="en-US" dirty="0">
+                <a:solidFill>
+                  <a:schemeClr val="bg1"/>
+                </a:solidFill>
+              </a:rPr>
+              <a:t>CONTACT</a:t>
+            </a:r>
+            <a:endParaRPr lang="th-TH" dirty="0">
+              <a:solidFill>
+                <a:schemeClr val="bg1"/>
+              </a:solidFill>
+            </a:endParaRPr>
+          </a:p>
+        </p:txBody>
+      </p:sp>
+      <p:sp>
+        <p:nvSpPr>
+          <p:cNvPr id="24" name="กล่องข้อความ 23">
+            <a:extLst>
+              <a:ext uri="{FF2B5EF4-FFF2-40B4-BE49-F238E27FC236}">
+                <a16:creationId xmlns:a16="http://schemas.microsoft.com/office/drawing/2014/main" id="{D9981586-630D-4B29-4B2D-9DC74D2A2021}"/>
+              </a:ext>
+            </a:extLst>
+          </p:cNvPr>
+          <p:cNvSpPr txBox="1"/>
+          <p:nvPr/>
+        </p:nvSpPr>
+        <p:spPr>
+          <a:xfrm>
+            <a:off x="5910467" y="3525052"/>
+            <a:ext cx="2270566" cy="523220"/>
+          </a:xfrm>
+          <a:prstGeom prst="rect">
+            <a:avLst/>
+          </a:prstGeom>
+          <a:noFill/>
+        </p:spPr>
+        <p:txBody>
+          <a:bodyPr wrap="square" rtlCol="0">
+            <a:spAutoFit/>
+          </a:bodyPr>
+          <a:lstStyle/>
+          <a:p>
+            <a:pPr algn="ctr"/>
+            <a:endParaRPr lang="th-TH" dirty="0">
+              <a:solidFill>
+                <a:schemeClr val="bg1"/>
+              </a:solidFill>
+            </a:endParaRPr>
+          </a:p>
+        </p:txBody>
+      </p:sp>
+      <p:sp>
+        <p:nvSpPr>
+          <p:cNvPr id="27" name="สี่เหลี่ยมผืนผ้า 26">
+            <a:extLst>
+              <a:ext uri="{FF2B5EF4-FFF2-40B4-BE49-F238E27FC236}">
+                <a16:creationId xmlns:a16="http://schemas.microsoft.com/office/drawing/2014/main" id="{598E30A9-934F-9A90-6B65-23B3E15D117E}"/>
+              </a:ext>
+            </a:extLst>
+          </p:cNvPr>
+          <p:cNvSpPr/>
+          <p:nvPr/>
+        </p:nvSpPr>
+        <p:spPr>
+          <a:xfrm>
+            <a:off x="4202900" y="3392050"/>
+            <a:ext cx="1438781" cy="523220"/>
+          </a:xfrm>
+          <a:prstGeom prst="rect">
+            <a:avLst/>
+          </a:prstGeom>
+          <a:noFill/>
+          <a:ln>
+            <a:solidFill>
+              <a:schemeClr val="bg1"/>
+            </a:solidFill>
+          </a:ln>
+        </p:spPr>
         <p:style>
           <a:lnRef idx="2">
-            <a:schemeClr val="accent1"/>
+            <a:schemeClr val="accent1">
+              <a:shade val="15000"/>
+            </a:schemeClr>
           </a:lnRef>
-          <a:fillRef idx="0">
+          <a:fillRef idx="1">
             <a:schemeClr val="accent1"/>
           </a:fillRef>
-          <a:effectRef idx="1">
+          <a:effectRef idx="0">
             <a:schemeClr val="accent1"/>
           </a:effectRef>
           <a:fontRef idx="minor">
-            <a:schemeClr val="tx1"/>
+            <a:schemeClr val="lt1"/>
           </a:fontRef>
         </p:style>
-      </p:cxnSp>
-      <p:cxnSp>
-        <p:nvCxnSpPr>
-          <p:cNvPr id="8" name="ตัวเชื่อมต่อตรง 7">
-            <a:extLst>
-              <a:ext uri="{FF2B5EF4-FFF2-40B4-BE49-F238E27FC236}">
-                <a16:creationId xmlns:a16="http://schemas.microsoft.com/office/drawing/2014/main" id="{399E9DCE-0326-7AD0-F158-A0BC833FA172}"/>
-              </a:ext>
-            </a:extLst>
-          </p:cNvPr>
-          <p:cNvCxnSpPr/>
+        <p:txBody>
+          <a:bodyPr rtlCol="0" anchor="ctr"/>
+          <a:lstStyle/>
+          <a:p>
+            <a:pPr algn="ctr"/>
+            <a:r>
+              <a:rPr lang="en-US" dirty="0"/>
+              <a:t>BUY IT</a:t>
+            </a:r>
+            <a:endParaRPr lang="th-TH" dirty="0"/>
+          </a:p>
+        </p:txBody>
+      </p:sp>
+      <p:sp>
+        <p:nvSpPr>
+          <p:cNvPr id="28" name="สี่เหลี่ยมผืนผ้า 27">
+            <a:extLst>
+              <a:ext uri="{FF2B5EF4-FFF2-40B4-BE49-F238E27FC236}">
+                <a16:creationId xmlns:a16="http://schemas.microsoft.com/office/drawing/2014/main" id="{379CA5C6-5826-2043-8811-C27216DE1E08}"/>
+              </a:ext>
+            </a:extLst>
+          </p:cNvPr>
+          <p:cNvSpPr/>
           <p:nvPr/>
-        </p:nvCxnSpPr>
+        </p:nvSpPr>
         <p:spPr>
           <a:xfrm>
-            <a:off x="0" y="6331789"/>
-            <a:ext cx="12192000" cy="0"/>
+            <a:off x="5894690" y="3397631"/>
+            <a:ext cx="1974576" cy="523220"/>
           </a:xfrm>
-          <a:prstGeom prst="line">
+          <a:prstGeom prst="rect">
             <a:avLst/>
           </a:prstGeom>
+          <a:noFill/>
+          <a:ln>
+            <a:solidFill>
+              <a:schemeClr val="bg1"/>
+            </a:solidFill>
+          </a:ln>
         </p:spPr>
         <p:style>
           <a:lnRef idx="2">
-            <a:schemeClr val="accent1"/>
+            <a:schemeClr val="accent1">
+              <a:shade val="15000"/>
+            </a:schemeClr>
           </a:lnRef>
-          <a:fillRef idx="0">
+          <a:fillRef idx="1">
             <a:schemeClr val="accent1"/>
           </a:fillRef>
-          <a:effectRef idx="1">
+          <a:effectRef idx="0">
             <a:schemeClr val="accent1"/>
           </a:effectRef>
           <a:fontRef idx="minor">
-            <a:schemeClr val="tx1"/>
+            <a:schemeClr val="lt1"/>
           </a:fontRef>
         </p:style>
-      </p:cxnSp>
+        <p:txBody>
+          <a:bodyPr rtlCol="0" anchor="ctr"/>
+          <a:lstStyle/>
+          <a:p>
+            <a:pPr algn="ctr"/>
+            <a:r>
+              <a:rPr lang="en-US" dirty="0"/>
+              <a:t>BUY IT TOO</a:t>
+            </a:r>
+            <a:endParaRPr lang="th-TH" dirty="0"/>
+          </a:p>
+        </p:txBody>
+      </p:sp>
     </p:spTree>
     <p:extLst>
       <p:ext uri="{BB962C8B-B14F-4D97-AF65-F5344CB8AC3E}">
@@ -3403,6 +3838,18 @@
   <p:clrMapOvr>
     <a:masterClrMapping/>
   </p:clrMapOvr>
+  <mc:AlternateContent xmlns:mc="http://schemas.openxmlformats.org/markup-compatibility/2006">
+    <mc:Choice xmlns:p14="http://schemas.microsoft.com/office/powerpoint/2010/main" Requires="p14">
+      <p:transition spd="slow" p14:dur="3400">
+        <p14:reveal/>
+      </p:transition>
+    </mc:Choice>
+    <mc:Fallback>
+      <p:transition spd="slow">
+        <p:fade/>
+      </p:transition>
+    </mc:Fallback>
+  </mc:AlternateContent>
 </p:sld>
 </file>
 
